--- a/Session2/ppt/[TA2-1] Python Primer - 2.pptx
+++ b/Session2/ppt/[TA2-1] Python Primer - 2.pptx
@@ -155,7 +155,7 @@
   </p:defaultTextStyle>
   <p:extLst>
     <p:ext uri="{EFAFB233-063F-42B5-8137-9DF3F51BA10A}">
-      <p15:sldGuideLst xmlns:p15="http://schemas.microsoft.com/office/powerpoint/2012/main" xmlns="">
+      <p15:sldGuideLst xmlns:p15="http://schemas.microsoft.com/office/powerpoint/2012/main">
         <p15:guide id="1" orient="horz" pos="2160">
           <p15:clr>
             <a:srgbClr val="A4A3A4"/>
@@ -254,7 +254,7 @@
           <a:p>
             <a:fld id="{7A6B77AA-7177-4D50-AB49-C260886B6169}" type="datetimeFigureOut">
               <a:rPr lang="ko-KR" altLang="en-US" smtClean="0"/>
-              <a:t>2017-07-10</a:t>
+              <a:t>2017-09-25</a:t>
             </a:fld>
             <a:endParaRPr lang="ko-KR" altLang="en-US"/>
           </a:p>
@@ -787,7 +787,7 @@
           <a:p>
             <a:fld id="{1179C0B5-9E42-4E82-BD73-9C37117B84AF}" type="datetimeFigureOut">
               <a:rPr lang="ko-KR" altLang="en-US" smtClean="0"/>
-              <a:t>2017-07-10</a:t>
+              <a:t>2017-09-25</a:t>
             </a:fld>
             <a:endParaRPr lang="ko-KR" altLang="en-US"/>
           </a:p>
@@ -957,7 +957,7 @@
           <a:p>
             <a:fld id="{1179C0B5-9E42-4E82-BD73-9C37117B84AF}" type="datetimeFigureOut">
               <a:rPr lang="ko-KR" altLang="en-US" smtClean="0"/>
-              <a:t>2017-07-10</a:t>
+              <a:t>2017-09-25</a:t>
             </a:fld>
             <a:endParaRPr lang="ko-KR" altLang="en-US"/>
           </a:p>
@@ -1137,7 +1137,7 @@
           <a:p>
             <a:fld id="{1179C0B5-9E42-4E82-BD73-9C37117B84AF}" type="datetimeFigureOut">
               <a:rPr lang="ko-KR" altLang="en-US" smtClean="0"/>
-              <a:t>2017-07-10</a:t>
+              <a:t>2017-09-25</a:t>
             </a:fld>
             <a:endParaRPr lang="ko-KR" altLang="en-US"/>
           </a:p>
@@ -1307,7 +1307,7 @@
           <a:p>
             <a:fld id="{1179C0B5-9E42-4E82-BD73-9C37117B84AF}" type="datetimeFigureOut">
               <a:rPr lang="ko-KR" altLang="en-US" smtClean="0"/>
-              <a:t>2017-07-10</a:t>
+              <a:t>2017-09-25</a:t>
             </a:fld>
             <a:endParaRPr lang="ko-KR" altLang="en-US"/>
           </a:p>
@@ -1553,7 +1553,7 @@
           <a:p>
             <a:fld id="{1179C0B5-9E42-4E82-BD73-9C37117B84AF}" type="datetimeFigureOut">
               <a:rPr lang="ko-KR" altLang="en-US" smtClean="0"/>
-              <a:t>2017-07-10</a:t>
+              <a:t>2017-09-25</a:t>
             </a:fld>
             <a:endParaRPr lang="ko-KR" altLang="en-US"/>
           </a:p>
@@ -1841,7 +1841,7 @@
           <a:p>
             <a:fld id="{1179C0B5-9E42-4E82-BD73-9C37117B84AF}" type="datetimeFigureOut">
               <a:rPr lang="ko-KR" altLang="en-US" smtClean="0"/>
-              <a:t>2017-07-10</a:t>
+              <a:t>2017-09-25</a:t>
             </a:fld>
             <a:endParaRPr lang="ko-KR" altLang="en-US"/>
           </a:p>
@@ -2263,7 +2263,7 @@
           <a:p>
             <a:fld id="{1179C0B5-9E42-4E82-BD73-9C37117B84AF}" type="datetimeFigureOut">
               <a:rPr lang="ko-KR" altLang="en-US" smtClean="0"/>
-              <a:t>2017-07-10</a:t>
+              <a:t>2017-09-25</a:t>
             </a:fld>
             <a:endParaRPr lang="ko-KR" altLang="en-US"/>
           </a:p>
@@ -2381,7 +2381,7 @@
           <a:p>
             <a:fld id="{1179C0B5-9E42-4E82-BD73-9C37117B84AF}" type="datetimeFigureOut">
               <a:rPr lang="ko-KR" altLang="en-US" smtClean="0"/>
-              <a:t>2017-07-10</a:t>
+              <a:t>2017-09-25</a:t>
             </a:fld>
             <a:endParaRPr lang="ko-KR" altLang="en-US"/>
           </a:p>
@@ -2476,7 +2476,7 @@
           <a:p>
             <a:fld id="{1179C0B5-9E42-4E82-BD73-9C37117B84AF}" type="datetimeFigureOut">
               <a:rPr lang="ko-KR" altLang="en-US" smtClean="0"/>
-              <a:t>2017-07-10</a:t>
+              <a:t>2017-09-25</a:t>
             </a:fld>
             <a:endParaRPr lang="ko-KR" altLang="en-US"/>
           </a:p>
@@ -2753,7 +2753,7 @@
           <a:p>
             <a:fld id="{1179C0B5-9E42-4E82-BD73-9C37117B84AF}" type="datetimeFigureOut">
               <a:rPr lang="ko-KR" altLang="en-US" smtClean="0"/>
-              <a:t>2017-07-10</a:t>
+              <a:t>2017-09-25</a:t>
             </a:fld>
             <a:endParaRPr lang="ko-KR" altLang="en-US"/>
           </a:p>
@@ -3006,7 +3006,7 @@
           <a:p>
             <a:fld id="{1179C0B5-9E42-4E82-BD73-9C37117B84AF}" type="datetimeFigureOut">
               <a:rPr lang="ko-KR" altLang="en-US" smtClean="0"/>
-              <a:t>2017-07-10</a:t>
+              <a:t>2017-09-25</a:t>
             </a:fld>
             <a:endParaRPr lang="ko-KR" altLang="en-US"/>
           </a:p>
@@ -3219,7 +3219,7 @@
           <a:p>
             <a:fld id="{1179C0B5-9E42-4E82-BD73-9C37117B84AF}" type="datetimeFigureOut">
               <a:rPr lang="ko-KR" altLang="en-US" smtClean="0"/>
-              <a:t>2017-07-10</a:t>
+              <a:t>2017-09-25</a:t>
             </a:fld>
             <a:endParaRPr lang="ko-KR" altLang="en-US"/>
           </a:p>
@@ -3758,76 +3758,6 @@
       </p:sp>
       <p:sp>
         <p:nvSpPr>
-          <p:cNvPr id="6" name="TextBox 5"/>
-          <p:cNvSpPr txBox="1"/>
-          <p:nvPr/>
-        </p:nvSpPr>
-        <p:spPr>
-          <a:xfrm>
-            <a:off x="854185" y="3510300"/>
-            <a:ext cx="1402948" cy="369332"/>
-          </a:xfrm>
-          <a:prstGeom prst="rect">
-            <a:avLst/>
-          </a:prstGeom>
-          <a:noFill/>
-        </p:spPr>
-        <p:txBody>
-          <a:bodyPr wrap="none" rtlCol="0">
-            <a:spAutoFit/>
-          </a:bodyPr>
-          <a:lstStyle/>
-          <a:p>
-            <a:r>
-              <a:rPr lang="ko-KR" altLang="en-US" dirty="0" smtClean="0">
-                <a:gradFill>
-                  <a:gsLst>
-                    <a:gs pos="0">
-                      <a:schemeClr val="tx1">
-                        <a:lumMod val="65000"/>
-                        <a:lumOff val="35000"/>
-                      </a:schemeClr>
-                    </a:gs>
-                    <a:gs pos="100000">
-                      <a:schemeClr val="tx1">
-                        <a:lumMod val="65000"/>
-                        <a:lumOff val="35000"/>
-                      </a:schemeClr>
-                    </a:gs>
-                  </a:gsLst>
-                  <a:lin ang="5400000" scaled="0"/>
-                </a:gradFill>
-                <a:latin typeface="Arial" pitchFamily="34" charset="0"/>
-                <a:cs typeface="Arial" pitchFamily="34" charset="0"/>
-              </a:rPr>
-              <a:t>박진수 교수</a:t>
-            </a:r>
-            <a:endParaRPr lang="ko-KR" altLang="en-US" dirty="0">
-              <a:gradFill>
-                <a:gsLst>
-                  <a:gs pos="0">
-                    <a:schemeClr val="tx1">
-                      <a:lumMod val="65000"/>
-                      <a:lumOff val="35000"/>
-                    </a:schemeClr>
-                  </a:gs>
-                  <a:gs pos="100000">
-                    <a:schemeClr val="tx1">
-                      <a:lumMod val="65000"/>
-                      <a:lumOff val="35000"/>
-                    </a:schemeClr>
-                  </a:gs>
-                </a:gsLst>
-                <a:lin ang="5400000" scaled="0"/>
-              </a:gradFill>
-              <a:latin typeface="Arial" pitchFamily="34" charset="0"/>
-              <a:cs typeface="Arial" pitchFamily="34" charset="0"/>
-            </a:endParaRPr>
-          </a:p>
-        </p:txBody>
-      </p:sp>
-      <p:sp>
-        <p:nvSpPr>
           <p:cNvPr id="7" name="TextBox 6"/>
           <p:cNvSpPr txBox="1"/>
           <p:nvPr/>
@@ -17687,7 +17617,31 @@
                 <a:latin typeface="Arial" pitchFamily="34" charset="0"/>
                 <a:cs typeface="Arial" pitchFamily="34" charset="0"/>
               </a:rPr>
-              <a:t>■ </a:t>
+              <a:t>■ 리스트</a:t>
+            </a:r>
+            <a:r>
+              <a:rPr lang="ko-KR" altLang="en-US" sz="1200" dirty="0">
+                <a:gradFill>
+                  <a:gsLst>
+                    <a:gs pos="0">
+                      <a:schemeClr val="tx1">
+                        <a:lumMod val="65000"/>
+                        <a:lumOff val="35000"/>
+                      </a:schemeClr>
+                    </a:gs>
+                    <a:gs pos="100000">
+                      <a:schemeClr val="tx1">
+                        <a:lumMod val="65000"/>
+                        <a:lumOff val="35000"/>
+                      </a:schemeClr>
+                    </a:gs>
+                  </a:gsLst>
+                  <a:lin ang="5400000" scaled="0"/>
+                </a:gradFill>
+                <a:latin typeface="Arial" pitchFamily="34" charset="0"/>
+                <a:cs typeface="Arial" pitchFamily="34" charset="0"/>
+              </a:rPr>
+              <a:t>는</a:t>
             </a:r>
             <a:r>
               <a:rPr lang="ko-KR" altLang="en-US" sz="1200" dirty="0" smtClean="0">
@@ -17711,79 +17665,7 @@
                 <a:latin typeface="Arial" pitchFamily="34" charset="0"/>
                 <a:cs typeface="Arial" pitchFamily="34" charset="0"/>
               </a:rPr>
-              <a:t>리스트</a:t>
-            </a:r>
-            <a:r>
-              <a:rPr lang="ko-KR" altLang="en-US" sz="1200" dirty="0">
-                <a:gradFill>
-                  <a:gsLst>
-                    <a:gs pos="0">
-                      <a:schemeClr val="tx1">
-                        <a:lumMod val="65000"/>
-                        <a:lumOff val="35000"/>
-                      </a:schemeClr>
-                    </a:gs>
-                    <a:gs pos="100000">
-                      <a:schemeClr val="tx1">
-                        <a:lumMod val="65000"/>
-                        <a:lumOff val="35000"/>
-                      </a:schemeClr>
-                    </a:gs>
-                  </a:gsLst>
-                  <a:lin ang="5400000" scaled="0"/>
-                </a:gradFill>
-                <a:latin typeface="Arial" pitchFamily="34" charset="0"/>
-                <a:cs typeface="Arial" pitchFamily="34" charset="0"/>
-              </a:rPr>
-              <a:t>는</a:t>
-            </a:r>
-            <a:r>
-              <a:rPr lang="ko-KR" altLang="en-US" sz="1200" dirty="0" smtClean="0">
-                <a:gradFill>
-                  <a:gsLst>
-                    <a:gs pos="0">
-                      <a:schemeClr val="tx1">
-                        <a:lumMod val="65000"/>
-                        <a:lumOff val="35000"/>
-                      </a:schemeClr>
-                    </a:gs>
-                    <a:gs pos="100000">
-                      <a:schemeClr val="tx1">
-                        <a:lumMod val="65000"/>
-                        <a:lumOff val="35000"/>
-                      </a:schemeClr>
-                    </a:gs>
-                  </a:gsLst>
-                  <a:lin ang="5400000" scaled="0"/>
-                </a:gradFill>
-                <a:latin typeface="Arial" pitchFamily="34" charset="0"/>
-                <a:cs typeface="Arial" pitchFamily="34" charset="0"/>
-              </a:rPr>
-              <a:t> </a:t>
-            </a:r>
-            <a:r>
-              <a:rPr lang="ko-KR" altLang="en-US" sz="1200" dirty="0" smtClean="0">
-                <a:gradFill>
-                  <a:gsLst>
-                    <a:gs pos="0">
-                      <a:schemeClr val="tx1">
-                        <a:lumMod val="65000"/>
-                        <a:lumOff val="35000"/>
-                      </a:schemeClr>
-                    </a:gs>
-                    <a:gs pos="100000">
-                      <a:schemeClr val="tx1">
-                        <a:lumMod val="65000"/>
-                        <a:lumOff val="35000"/>
-                      </a:schemeClr>
-                    </a:gs>
-                  </a:gsLst>
-                  <a:lin ang="5400000" scaled="0"/>
-                </a:gradFill>
-                <a:latin typeface="Arial" pitchFamily="34" charset="0"/>
-                <a:cs typeface="Arial" pitchFamily="34" charset="0"/>
-              </a:rPr>
-              <a:t>값의 생성</a:t>
+              <a:t> 값의 생성</a:t>
             </a:r>
             <a:r>
               <a:rPr lang="en-US" altLang="ko-KR" sz="1200" dirty="0" smtClean="0">
@@ -38255,10 +38137,34 @@
                 <a:tableStyleId>{C083E6E3-FA7D-4D7B-A595-EF9225AFEA82}</a:tableStyleId>
               </a:tblPr>
               <a:tblGrid>
-                <a:gridCol w="1584176"/>
-                <a:gridCol w="2520280"/>
-                <a:gridCol w="746567"/>
-                <a:gridCol w="2321243"/>
+                <a:gridCol w="1584176">
+                  <a:extLst>
+                    <a:ext uri="{9D8B030D-6E8A-4147-A177-3AD203B41FA5}">
+                      <a16:colId xmlns:a16="http://schemas.microsoft.com/office/drawing/2014/main" val="20000"/>
+                    </a:ext>
+                  </a:extLst>
+                </a:gridCol>
+                <a:gridCol w="2520280">
+                  <a:extLst>
+                    <a:ext uri="{9D8B030D-6E8A-4147-A177-3AD203B41FA5}">
+                      <a16:colId xmlns:a16="http://schemas.microsoft.com/office/drawing/2014/main" val="20001"/>
+                    </a:ext>
+                  </a:extLst>
+                </a:gridCol>
+                <a:gridCol w="746567">
+                  <a:extLst>
+                    <a:ext uri="{9D8B030D-6E8A-4147-A177-3AD203B41FA5}">
+                      <a16:colId xmlns:a16="http://schemas.microsoft.com/office/drawing/2014/main" val="20002"/>
+                    </a:ext>
+                  </a:extLst>
+                </a:gridCol>
+                <a:gridCol w="2321243">
+                  <a:extLst>
+                    <a:ext uri="{9D8B030D-6E8A-4147-A177-3AD203B41FA5}">
+                      <a16:colId xmlns:a16="http://schemas.microsoft.com/office/drawing/2014/main" val="20003"/>
+                    </a:ext>
+                  </a:extLst>
+                </a:gridCol>
               </a:tblGrid>
               <a:tr h="414583">
                 <a:tc>
@@ -38489,6 +38395,11 @@
                   </a:txBody>
                   <a:tcPr anchor="ctr"/>
                 </a:tc>
+                <a:extLst>
+                  <a:ext uri="{0D108BD9-81ED-4DB2-BD59-A6C34878D82A}">
+                    <a16:rowId xmlns:a16="http://schemas.microsoft.com/office/drawing/2014/main" val="10000"/>
+                  </a:ext>
+                </a:extLst>
               </a:tr>
               <a:tr h="414583">
                 <a:tc>
@@ -38744,6 +38655,11 @@
                   </a:txBody>
                   <a:tcPr anchor="ctr"/>
                 </a:tc>
+                <a:extLst>
+                  <a:ext uri="{0D108BD9-81ED-4DB2-BD59-A6C34878D82A}">
+                    <a16:rowId xmlns:a16="http://schemas.microsoft.com/office/drawing/2014/main" val="10001"/>
+                  </a:ext>
+                </a:extLst>
               </a:tr>
               <a:tr h="517226">
                 <a:tc>
@@ -39099,6 +39015,11 @@
                   </a:txBody>
                   <a:tcPr anchor="ctr"/>
                 </a:tc>
+                <a:extLst>
+                  <a:ext uri="{0D108BD9-81ED-4DB2-BD59-A6C34878D82A}">
+                    <a16:rowId xmlns:a16="http://schemas.microsoft.com/office/drawing/2014/main" val="10002"/>
+                  </a:ext>
+                </a:extLst>
               </a:tr>
               <a:tr h="414583">
                 <a:tc>
@@ -39429,6 +39350,11 @@
                   </a:txBody>
                   <a:tcPr anchor="ctr"/>
                 </a:tc>
+                <a:extLst>
+                  <a:ext uri="{0D108BD9-81ED-4DB2-BD59-A6C34878D82A}">
+                    <a16:rowId xmlns:a16="http://schemas.microsoft.com/office/drawing/2014/main" val="10003"/>
+                  </a:ext>
+                </a:extLst>
               </a:tr>
               <a:tr h="414583">
                 <a:tc>
@@ -39734,6 +39660,11 @@
                   </a:txBody>
                   <a:tcPr anchor="ctr"/>
                 </a:tc>
+                <a:extLst>
+                  <a:ext uri="{0D108BD9-81ED-4DB2-BD59-A6C34878D82A}">
+                    <a16:rowId xmlns:a16="http://schemas.microsoft.com/office/drawing/2014/main" val="10004"/>
+                  </a:ext>
+                </a:extLst>
               </a:tr>
               <a:tr h="414583">
                 <a:tc>
@@ -40014,6 +39945,11 @@
                   </a:txBody>
                   <a:tcPr anchor="ctr"/>
                 </a:tc>
+                <a:extLst>
+                  <a:ext uri="{0D108BD9-81ED-4DB2-BD59-A6C34878D82A}">
+                    <a16:rowId xmlns:a16="http://schemas.microsoft.com/office/drawing/2014/main" val="10005"/>
+                  </a:ext>
+                </a:extLst>
               </a:tr>
               <a:tr h="414583">
                 <a:tc>
@@ -40369,6 +40305,11 @@
                   </a:txBody>
                   <a:tcPr anchor="ctr"/>
                 </a:tc>
+                <a:extLst>
+                  <a:ext uri="{0D108BD9-81ED-4DB2-BD59-A6C34878D82A}">
+                    <a16:rowId xmlns:a16="http://schemas.microsoft.com/office/drawing/2014/main" val="10006"/>
+                  </a:ext>
+                </a:extLst>
               </a:tr>
               <a:tr h="414583">
                 <a:tc>
@@ -40649,6 +40590,11 @@
                   </a:txBody>
                   <a:tcPr anchor="ctr"/>
                 </a:tc>
+                <a:extLst>
+                  <a:ext uri="{0D108BD9-81ED-4DB2-BD59-A6C34878D82A}">
+                    <a16:rowId xmlns:a16="http://schemas.microsoft.com/office/drawing/2014/main" val="10007"/>
+                  </a:ext>
+                </a:extLst>
               </a:tr>
               <a:tr h="414583">
                 <a:tc>
@@ -40954,6 +40900,11 @@
                   </a:txBody>
                   <a:tcPr anchor="ctr"/>
                 </a:tc>
+                <a:extLst>
+                  <a:ext uri="{0D108BD9-81ED-4DB2-BD59-A6C34878D82A}">
+                    <a16:rowId xmlns:a16="http://schemas.microsoft.com/office/drawing/2014/main" val="10008"/>
+                  </a:ext>
+                </a:extLst>
               </a:tr>
               <a:tr h="414583">
                 <a:tc>
@@ -41259,6 +41210,11 @@
                   </a:txBody>
                   <a:tcPr anchor="ctr"/>
                 </a:tc>
+                <a:extLst>
+                  <a:ext uri="{0D108BD9-81ED-4DB2-BD59-A6C34878D82A}">
+                    <a16:rowId xmlns:a16="http://schemas.microsoft.com/office/drawing/2014/main" val="10009"/>
+                  </a:ext>
+                </a:extLst>
               </a:tr>
             </a:tbl>
           </a:graphicData>
